--- a/Boston Crime Data/Urvi_Pasad_Term1&2_EDA Project PPT.pptx
+++ b/Boston Crime Data/Urvi_Pasad_Term1&2_EDA Project PPT.pptx
@@ -140,6 +140,9 @@
           </p15:clr>
         </p15:guide>
       </p15:sldGuideLst>
+    </p:ext>
+    <p:ext uri="{2D200454-40CA-4A62-9FC3-DE9A4176ACB9}">
+      <p15:notesGuideLst xmlns:p15="http://schemas.microsoft.com/office/powerpoint/2012/main"/>
     </p:ext>
   </p:extLst>
 </p:presentation>
@@ -6140,7 +6143,7 @@
         <a:p>
           <a:r>
             <a:rPr lang="en-US" b="1" dirty="0"/>
-            <a:t>What is the pattern and likelihood of the crimes and frequency which changes over the day? Week? Year?</a:t>
+            <a:t>What is the pattern and likelihood of the crimes and How the Crime frequency changes over the day? Week? Year?</a:t>
           </a:r>
           <a:endParaRPr lang="en-US" dirty="0"/>
         </a:p>
@@ -8141,8 +8144,8 @@
       </dsp:nvSpPr>
       <dsp:spPr>
         <a:xfrm>
-          <a:off x="0" y="136716"/>
-          <a:ext cx="6513603" cy="1790100"/>
+          <a:off x="0" y="490705"/>
+          <a:ext cx="6513603" cy="1564178"/>
         </a:xfrm>
         <a:prstGeom prst="roundRect">
           <a:avLst/>
@@ -8184,12 +8187,12 @@
         </a:fontRef>
       </dsp:style>
       <dsp:txBody>
-        <a:bodyPr spcFirstLastPara="0" vert="horz" wrap="square" lIns="121920" tIns="121920" rIns="121920" bIns="121920" numCol="1" spcCol="1270" anchor="ctr" anchorCtr="0">
+        <a:bodyPr spcFirstLastPara="0" vert="horz" wrap="square" lIns="106680" tIns="106680" rIns="106680" bIns="106680" numCol="1" spcCol="1270" anchor="ctr" anchorCtr="0">
           <a:noAutofit/>
         </a:bodyPr>
         <a:lstStyle/>
         <a:p>
-          <a:pPr marL="0" lvl="0" indent="0" algn="l" defTabSz="1422400">
+          <a:pPr marL="0" lvl="0" indent="0" algn="l" defTabSz="1244600">
             <a:lnSpc>
               <a:spcPct val="90000"/>
             </a:lnSpc>
@@ -8202,15 +8205,15 @@
             <a:buNone/>
           </a:pPr>
           <a:r>
-            <a:rPr lang="en-US" sz="3200" b="1" kern="1200" dirty="0"/>
+            <a:rPr lang="en-US" sz="2800" b="1" kern="1200" dirty="0"/>
             <a:t>What are most common types of crimes? </a:t>
           </a:r>
-          <a:endParaRPr lang="en-US" sz="3200" kern="1200" dirty="0"/>
+          <a:endParaRPr lang="en-US" sz="2800" kern="1200" dirty="0"/>
         </a:p>
       </dsp:txBody>
       <dsp:txXfrm>
-        <a:off x="87385" y="224101"/>
-        <a:ext cx="6338833" cy="1615330"/>
+        <a:off x="76357" y="567062"/>
+        <a:ext cx="6360889" cy="1411464"/>
       </dsp:txXfrm>
     </dsp:sp>
     <dsp:sp modelId="{01526939-C931-4039-A738-D04338DDB7C6}">
@@ -8220,8 +8223,8 @@
       </dsp:nvSpPr>
       <dsp:spPr>
         <a:xfrm>
-          <a:off x="0" y="2047663"/>
-          <a:ext cx="6513603" cy="1790100"/>
+          <a:off x="0" y="2160623"/>
+          <a:ext cx="6513603" cy="1564178"/>
         </a:xfrm>
         <a:prstGeom prst="roundRect">
           <a:avLst/>
@@ -8263,12 +8266,12 @@
         </a:fontRef>
       </dsp:style>
       <dsp:txBody>
-        <a:bodyPr spcFirstLastPara="0" vert="horz" wrap="square" lIns="121920" tIns="121920" rIns="121920" bIns="121920" numCol="1" spcCol="1270" anchor="ctr" anchorCtr="0">
+        <a:bodyPr spcFirstLastPara="0" vert="horz" wrap="square" lIns="106680" tIns="106680" rIns="106680" bIns="106680" numCol="1" spcCol="1270" anchor="ctr" anchorCtr="0">
           <a:noAutofit/>
         </a:bodyPr>
         <a:lstStyle/>
         <a:p>
-          <a:pPr marL="0" lvl="0" indent="0" algn="l" defTabSz="1422400">
+          <a:pPr marL="0" lvl="0" indent="0" algn="l" defTabSz="1244600">
             <a:lnSpc>
               <a:spcPct val="90000"/>
             </a:lnSpc>
@@ -8281,15 +8284,15 @@
             <a:buNone/>
           </a:pPr>
           <a:r>
-            <a:rPr lang="en-US" sz="3200" b="1" kern="1200" dirty="0"/>
+            <a:rPr lang="en-US" sz="2800" b="1" kern="1200" dirty="0"/>
             <a:t>Which areas are prone to the different types of crimes to occur? </a:t>
           </a:r>
-          <a:endParaRPr lang="en-US" sz="3200" kern="1200" dirty="0"/>
+          <a:endParaRPr lang="en-US" sz="2800" kern="1200" dirty="0"/>
         </a:p>
       </dsp:txBody>
       <dsp:txXfrm>
-        <a:off x="87385" y="2135048"/>
-        <a:ext cx="6338833" cy="1615330"/>
+        <a:off x="76357" y="2236980"/>
+        <a:ext cx="6360889" cy="1411464"/>
       </dsp:txXfrm>
     </dsp:sp>
     <dsp:sp modelId="{B0AE7FDD-E3E0-4C8B-B164-674C5DF1EB13}">
@@ -8299,8 +8302,8 @@
       </dsp:nvSpPr>
       <dsp:spPr>
         <a:xfrm>
-          <a:off x="0" y="3929923"/>
-          <a:ext cx="6513603" cy="1790100"/>
+          <a:off x="0" y="3805442"/>
+          <a:ext cx="6513603" cy="1564178"/>
         </a:xfrm>
         <a:prstGeom prst="roundRect">
           <a:avLst/>
@@ -8342,12 +8345,12 @@
         </a:fontRef>
       </dsp:style>
       <dsp:txBody>
-        <a:bodyPr spcFirstLastPara="0" vert="horz" wrap="square" lIns="121920" tIns="121920" rIns="121920" bIns="121920" numCol="1" spcCol="1270" anchor="ctr" anchorCtr="0">
+        <a:bodyPr spcFirstLastPara="0" vert="horz" wrap="square" lIns="106680" tIns="106680" rIns="106680" bIns="106680" numCol="1" spcCol="1270" anchor="ctr" anchorCtr="0">
           <a:noAutofit/>
         </a:bodyPr>
         <a:lstStyle/>
         <a:p>
-          <a:pPr marL="0" lvl="0" indent="0" algn="l" defTabSz="1422400">
+          <a:pPr marL="0" lvl="0" indent="0" algn="l" defTabSz="1244600">
             <a:lnSpc>
               <a:spcPct val="90000"/>
             </a:lnSpc>
@@ -8360,15 +8363,15 @@
             <a:buNone/>
           </a:pPr>
           <a:r>
-            <a:rPr lang="en-US" sz="3200" b="1" kern="1200" dirty="0"/>
-            <a:t>What is the pattern and likelihood of the crimes and frequency which changes over the day? Week? Year?</a:t>
+            <a:rPr lang="en-US" sz="2800" b="1" kern="1200" dirty="0"/>
+            <a:t>What is the pattern and likelihood of the crimes and How the Crime frequency changes over the day? Week? Year?</a:t>
           </a:r>
-          <a:endParaRPr lang="en-US" sz="3200" kern="1200" dirty="0"/>
+          <a:endParaRPr lang="en-US" sz="2800" kern="1200" dirty="0"/>
         </a:p>
       </dsp:txBody>
       <dsp:txXfrm>
-        <a:off x="87385" y="4017308"/>
-        <a:ext cx="6338833" cy="1615330"/>
+        <a:off x="76357" y="3881799"/>
+        <a:ext cx="6360889" cy="1411464"/>
       </dsp:txXfrm>
     </dsp:sp>
   </dsp:spTree>
@@ -9665,7 +9668,7 @@
       <dsp:spPr>
         <a:xfrm>
           <a:off x="0" y="0"/>
-          <a:ext cx="6513603" cy="881384"/>
+          <a:ext cx="6513603" cy="882984"/>
         </a:xfrm>
         <a:prstGeom prst="roundRect">
           <a:avLst/>
@@ -9817,8 +9820,8 @@
         </a:p>
       </dsp:txBody>
       <dsp:txXfrm>
-        <a:off x="43026" y="43026"/>
-        <a:ext cx="6427551" cy="795332"/>
+        <a:off x="43104" y="43104"/>
+        <a:ext cx="6427395" cy="796776"/>
       </dsp:txXfrm>
     </dsp:sp>
     <dsp:sp modelId="{01526939-C931-4039-A738-D04338DDB7C6}">
@@ -9828,8 +9831,8 @@
       </dsp:nvSpPr>
       <dsp:spPr>
         <a:xfrm>
-          <a:off x="0" y="897733"/>
-          <a:ext cx="6513603" cy="881384"/>
+          <a:off x="0" y="896406"/>
+          <a:ext cx="6513603" cy="882984"/>
         </a:xfrm>
         <a:prstGeom prst="roundRect">
           <a:avLst/>
@@ -9940,8 +9943,8 @@
         </a:p>
       </dsp:txBody>
       <dsp:txXfrm>
-        <a:off x="43026" y="940759"/>
-        <a:ext cx="6427551" cy="795332"/>
+        <a:off x="43104" y="939510"/>
+        <a:ext cx="6427395" cy="796776"/>
       </dsp:txXfrm>
     </dsp:sp>
     <dsp:sp modelId="{6DD763E2-C703-4A2D-955A-36EC94B96615}">
@@ -9951,8 +9954,8 @@
       </dsp:nvSpPr>
       <dsp:spPr>
         <a:xfrm>
-          <a:off x="0" y="1793391"/>
-          <a:ext cx="6513603" cy="881384"/>
+          <a:off x="0" y="1792328"/>
+          <a:ext cx="6513603" cy="882984"/>
         </a:xfrm>
         <a:prstGeom prst="roundRect">
           <a:avLst/>
@@ -10050,8 +10053,8 @@
         </a:p>
       </dsp:txBody>
       <dsp:txXfrm>
-        <a:off x="43026" y="1836417"/>
-        <a:ext cx="6427551" cy="795332"/>
+        <a:off x="43104" y="1835432"/>
+        <a:ext cx="6427395" cy="796776"/>
       </dsp:txXfrm>
     </dsp:sp>
     <dsp:sp modelId="{B0AE7FDD-E3E0-4C8B-B164-674C5DF1EB13}">
@@ -10061,8 +10064,8 @@
       </dsp:nvSpPr>
       <dsp:spPr>
         <a:xfrm>
-          <a:off x="0" y="2689050"/>
-          <a:ext cx="6513603" cy="881384"/>
+          <a:off x="0" y="2688250"/>
+          <a:ext cx="6513603" cy="882984"/>
         </a:xfrm>
         <a:prstGeom prst="roundRect">
           <a:avLst/>
@@ -10196,8 +10199,8 @@
         </a:p>
       </dsp:txBody>
       <dsp:txXfrm>
-        <a:off x="43026" y="2732076"/>
-        <a:ext cx="6427551" cy="795332"/>
+        <a:off x="43104" y="2731354"/>
+        <a:ext cx="6427395" cy="796776"/>
       </dsp:txXfrm>
     </dsp:sp>
     <dsp:sp modelId="{0F2D56D4-659E-43D1-BCCF-389C9EC41FDC}">
@@ -10207,8 +10210,8 @@
       </dsp:nvSpPr>
       <dsp:spPr>
         <a:xfrm>
-          <a:off x="0" y="3584708"/>
-          <a:ext cx="6513603" cy="881384"/>
+          <a:off x="0" y="3584172"/>
+          <a:ext cx="6513603" cy="882984"/>
         </a:xfrm>
         <a:prstGeom prst="roundRect">
           <a:avLst/>
@@ -10358,8 +10361,8 @@
         </a:p>
       </dsp:txBody>
       <dsp:txXfrm>
-        <a:off x="43026" y="3627734"/>
-        <a:ext cx="6427551" cy="795332"/>
+        <a:off x="43104" y="3627276"/>
+        <a:ext cx="6427395" cy="796776"/>
       </dsp:txXfrm>
     </dsp:sp>
     <dsp:sp modelId="{AD1D12A0-5814-440B-AB47-5A96A4DF81B1}">
@@ -10369,8 +10372,8 @@
       </dsp:nvSpPr>
       <dsp:spPr>
         <a:xfrm>
-          <a:off x="0" y="4480366"/>
-          <a:ext cx="6513603" cy="881384"/>
+          <a:off x="0" y="4480094"/>
+          <a:ext cx="6513603" cy="882984"/>
         </a:xfrm>
         <a:prstGeom prst="roundRect">
           <a:avLst/>
@@ -10508,8 +10511,8 @@
         </a:p>
       </dsp:txBody>
       <dsp:txXfrm>
-        <a:off x="43026" y="4523392"/>
-        <a:ext cx="6427551" cy="795332"/>
+        <a:off x="43104" y="4523198"/>
+        <a:ext cx="6427395" cy="796776"/>
       </dsp:txXfrm>
     </dsp:sp>
     <dsp:sp modelId="{CA01CC59-4E21-4025-8F5C-AD71046B4172}">
@@ -10519,8 +10522,8 @@
       </dsp:nvSpPr>
       <dsp:spPr>
         <a:xfrm>
-          <a:off x="0" y="5376024"/>
-          <a:ext cx="6513603" cy="881384"/>
+          <a:off x="0" y="5376015"/>
+          <a:ext cx="6513603" cy="882984"/>
         </a:xfrm>
         <a:prstGeom prst="roundRect">
           <a:avLst/>
@@ -10683,8 +10686,8 @@
         </a:p>
       </dsp:txBody>
       <dsp:txXfrm>
-        <a:off x="43026" y="5419050"/>
-        <a:ext cx="6427551" cy="795332"/>
+        <a:off x="43104" y="5419119"/>
+        <a:ext cx="6427395" cy="796776"/>
       </dsp:txXfrm>
     </dsp:sp>
   </dsp:spTree>
@@ -19759,7 +19762,7 @@
           <a:p>
             <a:fld id="{FD77B3D7-257D-452E-B7F0-3D24D133027C}" type="datetimeFigureOut">
               <a:rPr lang="en-US" smtClean="0"/>
-              <a:t>1/3/2020</a:t>
+              <a:t>1/7/2020</a:t>
             </a:fld>
             <a:endParaRPr lang="en-US"/>
           </a:p>
@@ -19936,7 +19939,7 @@
           <a:p>
             <a:fld id="{9DC51992-6C97-4EE9-AB51-2082302FA52C}" type="datetimeFigureOut">
               <a:rPr lang="en-US" smtClean="0"/>
-              <a:t>1/3/2020</a:t>
+              <a:t>1/7/2020</a:t>
             </a:fld>
             <a:endParaRPr lang="en-US"/>
           </a:p>
@@ -20906,7 +20909,7 @@
           <a:p>
             <a:fld id="{66161C31-C25D-4546-85E7-834658F55753}" type="datetimeFigureOut">
               <a:rPr lang="en-US" smtClean="0"/>
-              <a:t>1/3/2020</a:t>
+              <a:t>1/7/2020</a:t>
             </a:fld>
             <a:endParaRPr lang="en-US"/>
           </a:p>
@@ -21104,7 +21107,7 @@
           <a:p>
             <a:fld id="{66161C31-C25D-4546-85E7-834658F55753}" type="datetimeFigureOut">
               <a:rPr lang="en-US" smtClean="0"/>
-              <a:t>1/3/2020</a:t>
+              <a:t>1/7/2020</a:t>
             </a:fld>
             <a:endParaRPr lang="en-US"/>
           </a:p>
@@ -21312,7 +21315,7 @@
           <a:p>
             <a:fld id="{66161C31-C25D-4546-85E7-834658F55753}" type="datetimeFigureOut">
               <a:rPr lang="en-US" smtClean="0"/>
-              <a:t>1/3/2020</a:t>
+              <a:t>1/7/2020</a:t>
             </a:fld>
             <a:endParaRPr lang="en-US"/>
           </a:p>
@@ -21510,7 +21513,7 @@
           <a:p>
             <a:fld id="{66161C31-C25D-4546-85E7-834658F55753}" type="datetimeFigureOut">
               <a:rPr lang="en-US" smtClean="0"/>
-              <a:t>1/3/2020</a:t>
+              <a:t>1/7/2020</a:t>
             </a:fld>
             <a:endParaRPr lang="en-US"/>
           </a:p>
@@ -21785,7 +21788,7 @@
           <a:p>
             <a:fld id="{66161C31-C25D-4546-85E7-834658F55753}" type="datetimeFigureOut">
               <a:rPr lang="en-US" smtClean="0"/>
-              <a:t>1/3/2020</a:t>
+              <a:t>1/7/2020</a:t>
             </a:fld>
             <a:endParaRPr lang="en-US"/>
           </a:p>
@@ -22050,7 +22053,7 @@
           <a:p>
             <a:fld id="{66161C31-C25D-4546-85E7-834658F55753}" type="datetimeFigureOut">
               <a:rPr lang="en-US" smtClean="0"/>
-              <a:t>1/3/2020</a:t>
+              <a:t>1/7/2020</a:t>
             </a:fld>
             <a:endParaRPr lang="en-US"/>
           </a:p>
@@ -22462,7 +22465,7 @@
           <a:p>
             <a:fld id="{66161C31-C25D-4546-85E7-834658F55753}" type="datetimeFigureOut">
               <a:rPr lang="en-US" smtClean="0"/>
-              <a:t>1/3/2020</a:t>
+              <a:t>1/7/2020</a:t>
             </a:fld>
             <a:endParaRPr lang="en-US"/>
           </a:p>
@@ -22603,7 +22606,7 @@
           <a:p>
             <a:fld id="{66161C31-C25D-4546-85E7-834658F55753}" type="datetimeFigureOut">
               <a:rPr lang="en-US" smtClean="0"/>
-              <a:t>1/3/2020</a:t>
+              <a:t>1/7/2020</a:t>
             </a:fld>
             <a:endParaRPr lang="en-US"/>
           </a:p>
@@ -22716,7 +22719,7 @@
           <a:p>
             <a:fld id="{66161C31-C25D-4546-85E7-834658F55753}" type="datetimeFigureOut">
               <a:rPr lang="en-US" smtClean="0"/>
-              <a:t>1/3/2020</a:t>
+              <a:t>1/7/2020</a:t>
             </a:fld>
             <a:endParaRPr lang="en-US"/>
           </a:p>
@@ -23027,7 +23030,7 @@
           <a:p>
             <a:fld id="{66161C31-C25D-4546-85E7-834658F55753}" type="datetimeFigureOut">
               <a:rPr lang="en-US" smtClean="0"/>
-              <a:t>1/3/2020</a:t>
+              <a:t>1/7/2020</a:t>
             </a:fld>
             <a:endParaRPr lang="en-US"/>
           </a:p>
@@ -23315,7 +23318,7 @@
           <a:p>
             <a:fld id="{66161C31-C25D-4546-85E7-834658F55753}" type="datetimeFigureOut">
               <a:rPr lang="en-US" smtClean="0"/>
-              <a:t>1/3/2020</a:t>
+              <a:t>1/7/2020</a:t>
             </a:fld>
             <a:endParaRPr lang="en-US"/>
           </a:p>
@@ -23586,7 +23589,7 @@
           <a:p>
             <a:fld id="{66161C31-C25D-4546-85E7-834658F55753}" type="datetimeFigureOut">
               <a:rPr lang="en-US" smtClean="0"/>
-              <a:t>1/3/2020</a:t>
+              <a:t>1/7/2020</a:t>
             </a:fld>
             <a:endParaRPr lang="en-US"/>
           </a:p>
@@ -29209,8 +29212,8 @@
         </p:nvSpPr>
         <p:spPr>
           <a:xfrm>
-            <a:off x="841248" y="932688"/>
-            <a:ext cx="4892040" cy="1773936"/>
+            <a:off x="367259" y="601803"/>
+            <a:ext cx="5025526" cy="1631034"/>
           </a:xfrm>
         </p:spPr>
         <p:txBody>
@@ -29220,7 +29223,7 @@
           <a:lstStyle/>
           <a:p>
             <a:r>
-              <a:rPr lang="en-US" sz="3700" b="1" i="1">
+              <a:rPr lang="en-US" sz="3700" b="1" i="1" dirty="0">
                 <a:effectLst>
                   <a:outerShdw blurRad="38100" dist="38100" dir="2700000" algn="tl">
                     <a:srgbClr val="000000">
@@ -29232,7 +29235,7 @@
               <a:t>Overview : EDA on Crime Rates in Boston City</a:t>
             </a:r>
             <a:br>
-              <a:rPr lang="en-US" sz="3700" b="1" i="1">
+              <a:rPr lang="en-US" sz="3700" b="1" i="1" dirty="0">
                 <a:effectLst>
                   <a:outerShdw blurRad="38100" dist="38100" dir="2700000" algn="tl">
                     <a:srgbClr val="000000">
@@ -29242,7 +29245,7 @@
                 </a:effectLst>
               </a:rPr>
             </a:br>
-            <a:endParaRPr lang="en-US" sz="3700"/>
+            <a:endParaRPr lang="en-US" sz="3700" dirty="0"/>
           </a:p>
         </p:txBody>
       </p:sp>
@@ -29264,8 +29267,8 @@
         </p:nvSpPr>
         <p:spPr>
           <a:xfrm>
-            <a:off x="841248" y="2898648"/>
-            <a:ext cx="4892040" cy="3209544"/>
+            <a:off x="637953" y="2232837"/>
+            <a:ext cx="5458044" cy="4023360"/>
           </a:xfrm>
         </p:spPr>
         <p:txBody>
@@ -29276,19 +29279,33 @@
           <a:p>
             <a:pPr marL="285750" indent="-285750"/>
             <a:r>
-              <a:rPr lang="en-US" sz="1900"/>
-              <a:t>Crime incident reports are provided by Boston Police Department (BPD) to document the initial details surrounding an incident to which BPD officers respond. This is a dataset containing records from the new crime incident report system, which includes a reduced set of fields focused on capturing the type of incident as well as when and where it occurred.</a:t>
+              <a:rPr lang="en-US" sz="1900" dirty="0"/>
+              <a:t>Data is collected from this site. </a:t>
+            </a:r>
+            <a:r>
+              <a:rPr lang="en-US" sz="1900" u="sng" dirty="0">
+                <a:hlinkClick r:id="rId2"/>
+              </a:rPr>
+              <a:t>https://data.boston.gov/dataset/crime-incident-reports-august-2015-to-date-source-new-system</a:t>
+            </a:r>
+            <a:endParaRPr lang="en-US" sz="1900" dirty="0"/>
+          </a:p>
+          <a:p>
+            <a:pPr marL="285750" indent="-285750"/>
+            <a:r>
+              <a:rPr lang="en-US" sz="1900" dirty="0"/>
+              <a:t>Records are from year  15th June 2015 to 13th October 2019.</a:t>
             </a:r>
           </a:p>
           <a:p>
             <a:pPr marL="285750" indent="-285750"/>
             <a:r>
-              <a:rPr lang="en-US" sz="1900"/>
-              <a:t>Records are from year  15th June 2015 to 13th October 2019.</a:t>
+              <a:rPr lang="en-US" sz="1900" dirty="0"/>
+              <a:t>Crime incident reports are provided by Boston Police Department (BPD) to document the initial details surrounding an incident to which BPD officers respond. This is a dataset containing records from the new crime incident report system, which includes a reduced set of fields focused on capturing the type of incident as well as when and where it occurred.</a:t>
             </a:r>
           </a:p>
           <a:p>
-            <a:endParaRPr lang="en-US" sz="1900"/>
+            <a:endParaRPr lang="en-US" sz="1900" dirty="0"/>
           </a:p>
         </p:txBody>
       </p:sp>
@@ -29359,7 +29376,7 @@
           <p:nvPr/>
         </p:nvPicPr>
         <p:blipFill rotWithShape="1">
-          <a:blip r:embed="rId2">
+          <a:blip r:embed="rId3">
             <a:extLst>
               <a:ext uri="{28A0092B-C50C-407E-A947-70E740481C1C}">
                 <a14:useLocalDpi xmlns:a14="http://schemas.microsoft.com/office/drawing/2010/main" val="0"/>
@@ -29962,7 +29979,7 @@
             <p:ph idx="1"/>
             <p:extLst>
               <p:ext uri="{D42A27DB-BD31-4B8C-83A1-F6EECF244321}">
-                <p14:modId xmlns:p14="http://schemas.microsoft.com/office/powerpoint/2010/main" val="2082105096"/>
+                <p14:modId xmlns:p14="http://schemas.microsoft.com/office/powerpoint/2010/main" val="177000818"/>
               </p:ext>
             </p:extLst>
           </p:nvPr>
